--- a/diseño/ahorcado-22-2.pptx
+++ b/diseño/ahorcado-22-2.pptx
@@ -270,7 +270,7 @@
           <a:p>
             <a:fld id="{F8FDD5A6-6956-477E-A754-A4AEF8692792}" type="datetimeFigureOut">
               <a:rPr lang="es-ES" smtClean="0"/>
-              <a:t>21/05/2023</a:t>
+              <a:t>30/05/2023</a:t>
             </a:fld>
             <a:endParaRPr lang="es-ES"/>
           </a:p>
@@ -468,7 +468,7 @@
           <a:p>
             <a:fld id="{F8FDD5A6-6956-477E-A754-A4AEF8692792}" type="datetimeFigureOut">
               <a:rPr lang="es-ES" smtClean="0"/>
-              <a:t>21/05/2023</a:t>
+              <a:t>30/05/2023</a:t>
             </a:fld>
             <a:endParaRPr lang="es-ES"/>
           </a:p>
@@ -676,7 +676,7 @@
           <a:p>
             <a:fld id="{F8FDD5A6-6956-477E-A754-A4AEF8692792}" type="datetimeFigureOut">
               <a:rPr lang="es-ES" smtClean="0"/>
-              <a:t>21/05/2023</a:t>
+              <a:t>30/05/2023</a:t>
             </a:fld>
             <a:endParaRPr lang="es-ES"/>
           </a:p>
@@ -874,7 +874,7 @@
           <a:p>
             <a:fld id="{F8FDD5A6-6956-477E-A754-A4AEF8692792}" type="datetimeFigureOut">
               <a:rPr lang="es-ES" smtClean="0"/>
-              <a:t>21/05/2023</a:t>
+              <a:t>30/05/2023</a:t>
             </a:fld>
             <a:endParaRPr lang="es-ES"/>
           </a:p>
@@ -1149,7 +1149,7 @@
           <a:p>
             <a:fld id="{F8FDD5A6-6956-477E-A754-A4AEF8692792}" type="datetimeFigureOut">
               <a:rPr lang="es-ES" smtClean="0"/>
-              <a:t>21/05/2023</a:t>
+              <a:t>30/05/2023</a:t>
             </a:fld>
             <a:endParaRPr lang="es-ES"/>
           </a:p>
@@ -1414,7 +1414,7 @@
           <a:p>
             <a:fld id="{F8FDD5A6-6956-477E-A754-A4AEF8692792}" type="datetimeFigureOut">
               <a:rPr lang="es-ES" smtClean="0"/>
-              <a:t>21/05/2023</a:t>
+              <a:t>30/05/2023</a:t>
             </a:fld>
             <a:endParaRPr lang="es-ES"/>
           </a:p>
@@ -1826,7 +1826,7 @@
           <a:p>
             <a:fld id="{F8FDD5A6-6956-477E-A754-A4AEF8692792}" type="datetimeFigureOut">
               <a:rPr lang="es-ES" smtClean="0"/>
-              <a:t>21/05/2023</a:t>
+              <a:t>30/05/2023</a:t>
             </a:fld>
             <a:endParaRPr lang="es-ES"/>
           </a:p>
@@ -1967,7 +1967,7 @@
           <a:p>
             <a:fld id="{F8FDD5A6-6956-477E-A754-A4AEF8692792}" type="datetimeFigureOut">
               <a:rPr lang="es-ES" smtClean="0"/>
-              <a:t>21/05/2023</a:t>
+              <a:t>30/05/2023</a:t>
             </a:fld>
             <a:endParaRPr lang="es-ES"/>
           </a:p>
@@ -2080,7 +2080,7 @@
           <a:p>
             <a:fld id="{F8FDD5A6-6956-477E-A754-A4AEF8692792}" type="datetimeFigureOut">
               <a:rPr lang="es-ES" smtClean="0"/>
-              <a:t>21/05/2023</a:t>
+              <a:t>30/05/2023</a:t>
             </a:fld>
             <a:endParaRPr lang="es-ES"/>
           </a:p>
@@ -2391,7 +2391,7 @@
           <a:p>
             <a:fld id="{F8FDD5A6-6956-477E-A754-A4AEF8692792}" type="datetimeFigureOut">
               <a:rPr lang="es-ES" smtClean="0"/>
-              <a:t>21/05/2023</a:t>
+              <a:t>30/05/2023</a:t>
             </a:fld>
             <a:endParaRPr lang="es-ES"/>
           </a:p>
@@ -2679,7 +2679,7 @@
           <a:p>
             <a:fld id="{F8FDD5A6-6956-477E-A754-A4AEF8692792}" type="datetimeFigureOut">
               <a:rPr lang="es-ES" smtClean="0"/>
-              <a:t>21/05/2023</a:t>
+              <a:t>30/05/2023</a:t>
             </a:fld>
             <a:endParaRPr lang="es-ES"/>
           </a:p>
@@ -2920,7 +2920,7 @@
           <a:p>
             <a:fld id="{F8FDD5A6-6956-477E-A754-A4AEF8692792}" type="datetimeFigureOut">
               <a:rPr lang="es-ES" smtClean="0"/>
-              <a:t>21/05/2023</a:t>
+              <a:t>30/05/2023</a:t>
             </a:fld>
             <a:endParaRPr lang="es-ES"/>
           </a:p>
@@ -3737,12 +3737,45 @@
           <a:chExt cx="0" cy="0"/>
         </a:xfrm>
       </p:grpSpPr>
+      <p:sp>
+        <p:nvSpPr>
+          <p:cNvPr id="2" name="Título 1">
+            <a:extLst>
+              <a:ext uri="{FF2B5EF4-FFF2-40B4-BE49-F238E27FC236}">
+                <a16:creationId xmlns:a16="http://schemas.microsoft.com/office/drawing/2014/main" id="{D8E9E319-24EA-995A-EEBF-FC6AD38EBE23}"/>
+              </a:ext>
+            </a:extLst>
+          </p:cNvPr>
+          <p:cNvSpPr>
+            <a:spLocks noGrp="1"/>
+          </p:cNvSpPr>
+          <p:nvPr>
+            <p:ph type="title"/>
+          </p:nvPr>
+        </p:nvSpPr>
+        <p:spPr/>
+        <p:txBody>
+          <a:bodyPr/>
+          <a:lstStyle/>
+          <a:p>
+            <a:r>
+              <a:rPr lang="es-ES" dirty="0"/>
+              <a:t>Lógica </a:t>
+            </a:r>
+            <a:r>
+              <a:rPr lang="es-ES" dirty="0" err="1"/>
+              <a:t>juego.php</a:t>
+            </a:r>
+            <a:endParaRPr lang="es-ES" dirty="0"/>
+          </a:p>
+        </p:txBody>
+      </p:sp>
       <p:pic>
         <p:nvPicPr>
-          <p:cNvPr id="7" name="Imagen 6">
-            <a:extLst>
-              <a:ext uri="{FF2B5EF4-FFF2-40B4-BE49-F238E27FC236}">
-                <a16:creationId xmlns:a16="http://schemas.microsoft.com/office/drawing/2014/main" id="{74106409-8F22-3CCC-7326-B6A386FF9DF5}"/>
+          <p:cNvPr id="4" name="Imagen 3">
+            <a:extLst>
+              <a:ext uri="{FF2B5EF4-FFF2-40B4-BE49-F238E27FC236}">
+                <a16:creationId xmlns:a16="http://schemas.microsoft.com/office/drawing/2014/main" id="{CB7E35FD-3B23-4CB2-E854-6D3BF86B2501}"/>
               </a:ext>
             </a:extLst>
           </p:cNvPr>
@@ -3759,47 +3792,14 @@
         </p:blipFill>
         <p:spPr>
           <a:xfrm>
-            <a:off x="1261290" y="1338146"/>
-            <a:ext cx="9468366" cy="4986839"/>
+            <a:off x="1155480" y="1391777"/>
+            <a:ext cx="9668030" cy="5157320"/>
           </a:xfrm>
           <a:prstGeom prst="rect">
             <a:avLst/>
           </a:prstGeom>
         </p:spPr>
       </p:pic>
-      <p:sp>
-        <p:nvSpPr>
-          <p:cNvPr id="2" name="Título 1">
-            <a:extLst>
-              <a:ext uri="{FF2B5EF4-FFF2-40B4-BE49-F238E27FC236}">
-                <a16:creationId xmlns:a16="http://schemas.microsoft.com/office/drawing/2014/main" id="{D8E9E319-24EA-995A-EEBF-FC6AD38EBE23}"/>
-              </a:ext>
-            </a:extLst>
-          </p:cNvPr>
-          <p:cNvSpPr>
-            <a:spLocks noGrp="1"/>
-          </p:cNvSpPr>
-          <p:nvPr>
-            <p:ph type="title"/>
-          </p:nvPr>
-        </p:nvSpPr>
-        <p:spPr/>
-        <p:txBody>
-          <a:bodyPr/>
-          <a:lstStyle/>
-          <a:p>
-            <a:r>
-              <a:rPr lang="es-ES" dirty="0"/>
-              <a:t>Lógica </a:t>
-            </a:r>
-            <a:r>
-              <a:rPr lang="es-ES" dirty="0" err="1"/>
-              <a:t>juego.php</a:t>
-            </a:r>
-            <a:endParaRPr lang="es-ES" dirty="0"/>
-          </a:p>
-        </p:txBody>
-      </p:sp>
     </p:spTree>
     <p:extLst>
       <p:ext uri="{BB962C8B-B14F-4D97-AF65-F5344CB8AC3E}">
@@ -5261,6 +5261,95 @@
           <a:xfrm>
             <a:off x="9387840" y="2250718"/>
             <a:ext cx="436880" cy="0"/>
+          </a:xfrm>
+          <a:prstGeom prst="straightConnector1">
+            <a:avLst/>
+          </a:prstGeom>
+          <a:ln>
+            <a:tailEnd type="triangle"/>
+          </a:ln>
+        </p:spPr>
+        <p:style>
+          <a:lnRef idx="1">
+            <a:schemeClr val="accent1"/>
+          </a:lnRef>
+          <a:fillRef idx="0">
+            <a:schemeClr val="accent1"/>
+          </a:fillRef>
+          <a:effectRef idx="0">
+            <a:schemeClr val="accent1"/>
+          </a:effectRef>
+          <a:fontRef idx="minor">
+            <a:schemeClr val="tx1"/>
+          </a:fontRef>
+        </p:style>
+      </p:cxnSp>
+      <p:sp>
+        <p:nvSpPr>
+          <p:cNvPr id="2" name="CuadroTexto 1">
+            <a:extLst>
+              <a:ext uri="{FF2B5EF4-FFF2-40B4-BE49-F238E27FC236}">
+                <a16:creationId xmlns:a16="http://schemas.microsoft.com/office/drawing/2014/main" id="{D8895D40-165C-3A61-E4D5-DCF1629C3C2F}"/>
+              </a:ext>
+            </a:extLst>
+          </p:cNvPr>
+          <p:cNvSpPr txBox="1"/>
+          <p:nvPr/>
+        </p:nvSpPr>
+        <p:spPr>
+          <a:xfrm>
+            <a:off x="5914342" y="2092462"/>
+            <a:ext cx="2337050" cy="369332"/>
+          </a:xfrm>
+          <a:prstGeom prst="rect">
+            <a:avLst/>
+          </a:prstGeom>
+          <a:noFill/>
+        </p:spPr>
+        <p:txBody>
+          <a:bodyPr wrap="none" rtlCol="0">
+            <a:spAutoFit/>
+          </a:bodyPr>
+          <a:lstStyle/>
+          <a:p>
+            <a:r>
+              <a:rPr lang="es-ES" dirty="0" err="1">
+                <a:solidFill>
+                  <a:schemeClr val="accent2">
+                    <a:lumMod val="75000"/>
+                  </a:schemeClr>
+                </a:solidFill>
+              </a:rPr>
+              <a:t>botonresumenpartidas</a:t>
+            </a:r>
+            <a:endParaRPr lang="es-ES" dirty="0">
+              <a:solidFill>
+                <a:schemeClr val="accent2">
+                  <a:lumMod val="75000"/>
+                </a:schemeClr>
+              </a:solidFill>
+            </a:endParaRPr>
+          </a:p>
+        </p:txBody>
+      </p:sp>
+      <p:cxnSp>
+        <p:nvCxnSpPr>
+          <p:cNvPr id="3" name="Conector recto de flecha 2">
+            <a:extLst>
+              <a:ext uri="{FF2B5EF4-FFF2-40B4-BE49-F238E27FC236}">
+                <a16:creationId xmlns:a16="http://schemas.microsoft.com/office/drawing/2014/main" id="{CF3F6E34-8793-A34F-A7D3-272A921F0588}"/>
+              </a:ext>
+            </a:extLst>
+          </p:cNvPr>
+          <p:cNvCxnSpPr>
+            <a:cxnSpLocks/>
+          </p:cNvCxnSpPr>
+          <p:nvPr/>
+        </p:nvCxnSpPr>
+        <p:spPr>
+          <a:xfrm>
+            <a:off x="7500344" y="1696720"/>
+            <a:ext cx="0" cy="311271"/>
           </a:xfrm>
           <a:prstGeom prst="straightConnector1">
             <a:avLst/>
